--- a/Lecture/Final Project 2/Final_Project_2_Lecture.pptx
+++ b/Lecture/Final Project 2/Final_Project_2_Lecture.pptx
@@ -301,7 +301,7 @@
               <a:pPr>
                 <a:defRPr/>
               </a:pPr>
-              <a:t>3/20/2019</a:t>
+              <a:t>7/9/2019</a:t>
             </a:fld>
             <a:endParaRPr lang="en-US" dirty="0"/>
           </a:p>
@@ -513,7 +513,7 @@
               <a:pPr>
                 <a:defRPr/>
               </a:pPr>
-              <a:t>3/20/2019</a:t>
+              <a:t>7/9/2019</a:t>
             </a:fld>
             <a:endParaRPr lang="en-US" dirty="0"/>
           </a:p>
@@ -1032,7 +1032,7 @@
               <a:pPr>
                 <a:defRPr/>
               </a:pPr>
-              <a:t>3/20/2019</a:t>
+              <a:t>7/9/2019</a:t>
             </a:fld>
             <a:endParaRPr lang="en-US" dirty="0"/>
           </a:p>
@@ -1222,7 +1222,7 @@
               <a:pPr>
                 <a:defRPr/>
               </a:pPr>
-              <a:t>3/20/2019</a:t>
+              <a:t>7/9/2019</a:t>
             </a:fld>
             <a:endParaRPr lang="en-US" dirty="0"/>
           </a:p>
@@ -1422,7 +1422,7 @@
               <a:pPr>
                 <a:defRPr/>
               </a:pPr>
-              <a:t>3/20/2019</a:t>
+              <a:t>7/9/2019</a:t>
             </a:fld>
             <a:endParaRPr lang="en-US" dirty="0"/>
           </a:p>
@@ -1690,7 +1690,7 @@
               <a:pPr>
                 <a:defRPr/>
               </a:pPr>
-              <a:t>3/20/2019</a:t>
+              <a:t>7/9/2019</a:t>
             </a:fld>
             <a:endParaRPr lang="en-US" dirty="0">
               <a:solidFill>
@@ -1904,7 +1904,7 @@
               <a:pPr>
                 <a:defRPr/>
               </a:pPr>
-              <a:t>3/20/2019</a:t>
+              <a:t>7/9/2019</a:t>
             </a:fld>
             <a:endParaRPr lang="en-US" dirty="0">
               <a:solidFill>
@@ -2195,7 +2195,7 @@
               <a:pPr>
                 <a:defRPr/>
               </a:pPr>
-              <a:t>3/20/2019</a:t>
+              <a:t>7/9/2019</a:t>
             </a:fld>
             <a:endParaRPr lang="en-US" dirty="0">
               <a:solidFill>
@@ -2526,7 +2526,7 @@
               <a:pPr>
                 <a:defRPr/>
               </a:pPr>
-              <a:t>3/20/2019</a:t>
+              <a:t>7/9/2019</a:t>
             </a:fld>
             <a:endParaRPr lang="en-US" dirty="0">
               <a:solidFill>
@@ -2991,7 +2991,7 @@
               <a:pPr>
                 <a:defRPr/>
               </a:pPr>
-              <a:t>3/20/2019</a:t>
+              <a:t>7/9/2019</a:t>
             </a:fld>
             <a:endParaRPr lang="en-US" dirty="0">
               <a:solidFill>
@@ -3154,7 +3154,7 @@
               <a:pPr>
                 <a:defRPr/>
               </a:pPr>
-              <a:t>3/20/2019</a:t>
+              <a:t>7/9/2019</a:t>
             </a:fld>
             <a:endParaRPr lang="en-US" dirty="0">
               <a:solidFill>
@@ -3295,7 +3295,7 @@
               <a:pPr>
                 <a:defRPr/>
               </a:pPr>
-              <a:t>3/20/2019</a:t>
+              <a:t>7/9/2019</a:t>
             </a:fld>
             <a:endParaRPr lang="en-US" dirty="0">
               <a:solidFill>
@@ -3616,7 +3616,7 @@
               <a:pPr>
                 <a:defRPr/>
               </a:pPr>
-              <a:t>3/20/2019</a:t>
+              <a:t>7/9/2019</a:t>
             </a:fld>
             <a:endParaRPr lang="en-US" dirty="0">
               <a:solidFill>
@@ -3824,7 +3824,7 @@
               <a:pPr>
                 <a:defRPr/>
               </a:pPr>
-              <a:t>3/20/2019</a:t>
+              <a:t>7/9/2019</a:t>
             </a:fld>
             <a:endParaRPr lang="en-US" dirty="0"/>
           </a:p>
@@ -4107,7 +4107,7 @@
               <a:pPr>
                 <a:defRPr/>
               </a:pPr>
-              <a:t>3/20/2019</a:t>
+              <a:t>7/9/2019</a:t>
             </a:fld>
             <a:endParaRPr lang="en-US" dirty="0">
               <a:solidFill>
@@ -4321,7 +4321,7 @@
               <a:pPr>
                 <a:defRPr/>
               </a:pPr>
-              <a:t>3/20/2019</a:t>
+              <a:t>7/9/2019</a:t>
             </a:fld>
             <a:endParaRPr lang="en-US" dirty="0">
               <a:solidFill>
@@ -4545,7 +4545,7 @@
               <a:pPr>
                 <a:defRPr/>
               </a:pPr>
-              <a:t>3/20/2019</a:t>
+              <a:t>7/9/2019</a:t>
             </a:fld>
             <a:endParaRPr lang="en-US" dirty="0">
               <a:solidFill>
@@ -4755,7 +4755,7 @@
               <a:pPr>
                 <a:defRPr/>
               </a:pPr>
-              <a:t>3/20/2019</a:t>
+              <a:t>7/9/2019</a:t>
             </a:fld>
             <a:endParaRPr lang="en-US" dirty="0">
               <a:solidFill>
@@ -5032,7 +5032,7 @@
               <a:pPr>
                 <a:defRPr/>
               </a:pPr>
-              <a:t>3/20/2019</a:t>
+              <a:t>7/9/2019</a:t>
             </a:fld>
             <a:endParaRPr lang="en-US" dirty="0"/>
           </a:p>
@@ -5339,7 +5339,7 @@
               <a:pPr>
                 <a:defRPr/>
               </a:pPr>
-              <a:t>3/20/2019</a:t>
+              <a:t>7/9/2019</a:t>
             </a:fld>
             <a:endParaRPr lang="en-US" dirty="0"/>
           </a:p>
@@ -5780,7 +5780,7 @@
               <a:pPr>
                 <a:defRPr/>
               </a:pPr>
-              <a:t>3/20/2019</a:t>
+              <a:t>7/9/2019</a:t>
             </a:fld>
             <a:endParaRPr lang="en-US" dirty="0"/>
           </a:p>
@@ -5919,7 +5919,7 @@
               <a:pPr>
                 <a:defRPr/>
               </a:pPr>
-              <a:t>3/20/2019</a:t>
+              <a:t>7/9/2019</a:t>
             </a:fld>
             <a:endParaRPr lang="en-US" dirty="0"/>
           </a:p>
@@ -6036,7 +6036,7 @@
               <a:pPr>
                 <a:defRPr/>
               </a:pPr>
-              <a:t>3/20/2019</a:t>
+              <a:t>7/9/2019</a:t>
             </a:fld>
             <a:endParaRPr lang="en-US" dirty="0"/>
           </a:p>
@@ -6333,7 +6333,7 @@
               <a:pPr>
                 <a:defRPr/>
               </a:pPr>
-              <a:t>3/20/2019</a:t>
+              <a:t>7/9/2019</a:t>
             </a:fld>
             <a:endParaRPr lang="en-US" dirty="0"/>
           </a:p>
@@ -6610,7 +6610,7 @@
               <a:pPr>
                 <a:defRPr/>
               </a:pPr>
-              <a:t>3/20/2019</a:t>
+              <a:t>7/9/2019</a:t>
             </a:fld>
             <a:endParaRPr lang="en-US" dirty="0"/>
           </a:p>
@@ -6867,7 +6867,7 @@
               <a:pPr>
                 <a:defRPr/>
               </a:pPr>
-              <a:t>3/20/2019</a:t>
+              <a:t>7/9/2019</a:t>
             </a:fld>
             <a:endParaRPr lang="en-US" dirty="0"/>
           </a:p>
@@ -7577,7 +7577,7 @@
               <a:pPr>
                 <a:defRPr/>
               </a:pPr>
-              <a:t>3/20/2019</a:t>
+              <a:t>7/9/2019</a:t>
             </a:fld>
             <a:endParaRPr lang="en-US" dirty="0">
               <a:solidFill>
@@ -8623,7 +8623,7 @@
                 <a:ea typeface="+mj-ea"/>
                 <a:cs typeface="+mj-cs"/>
               </a:rPr>
-              <a:t>Part 4</a:t>
+              <a:t>Part 3</a:t>
             </a:r>
             <a:br>
               <a:rPr lang="en-US" sz="2400" kern="1200" dirty="0">
@@ -8694,7 +8694,7 @@
         <p:spPr>
           <a:xfrm>
             <a:off x="3962400" y="643467"/>
-            <a:ext cx="5181600" cy="4524315"/>
+            <a:ext cx="5181600" cy="6001643"/>
           </a:xfrm>
           <a:prstGeom prst="rect">
             <a:avLst/>
@@ -8717,7 +8717,7 @@
                   <a:srgbClr val="404040"/>
                 </a:solidFill>
               </a:rPr>
-              <a:t>Final HTML</a:t>
+              <a:t>Final HTML (D)</a:t>
             </a:r>
           </a:p>
           <a:p>
@@ -8731,107 +8731,7 @@
                   <a:srgbClr val="404040"/>
                 </a:solidFill>
               </a:rPr>
-              <a:t>Submit on Sakai by Deliverer</a:t>
-            </a:r>
-          </a:p>
-          <a:p>
-            <a:pPr marL="800100" lvl="1" indent="-342900">
-              <a:buFont typeface="Arial" panose="020B0604020202020204" pitchFamily="34" charset="0"/>
-              <a:buChar char="•"/>
-            </a:pPr>
-            <a:r>
-              <a:rPr lang="en-US" dirty="0">
-                <a:solidFill>
-                  <a:srgbClr val="404040"/>
-                </a:solidFill>
-              </a:rPr>
-              <a:t>No R Code</a:t>
-            </a:r>
-          </a:p>
-          <a:p>
-            <a:pPr marL="800100" lvl="1" indent="-342900">
-              <a:buFont typeface="Arial" panose="020B0604020202020204" pitchFamily="34" charset="0"/>
-              <a:buChar char="•"/>
-            </a:pPr>
-            <a:r>
-              <a:rPr lang="en-US" dirty="0">
-                <a:solidFill>
-                  <a:srgbClr val="404040"/>
-                </a:solidFill>
-              </a:rPr>
-              <a:t>Figures Should Be Labeled, Colored, and Appropriate</a:t>
-            </a:r>
-          </a:p>
-          <a:p>
-            <a:pPr marL="800100" lvl="1" indent="-342900">
-              <a:buFont typeface="Arial" panose="020B0604020202020204" pitchFamily="34" charset="0"/>
-              <a:buChar char="•"/>
-            </a:pPr>
-            <a:r>
-              <a:rPr lang="en-US" dirty="0">
-                <a:solidFill>
-                  <a:srgbClr val="404040"/>
-                </a:solidFill>
-              </a:rPr>
-              <a:t>Tables Should Be in HTML</a:t>
-            </a:r>
-          </a:p>
-          <a:p>
-            <a:pPr marL="1257300" lvl="2" indent="-342900">
-              <a:buFont typeface="Arial" panose="020B0604020202020204" pitchFamily="34" charset="0"/>
-              <a:buChar char="•"/>
-            </a:pPr>
-            <a:r>
-              <a:rPr lang="en-US" dirty="0" err="1">
-                <a:solidFill>
-                  <a:srgbClr val="404040"/>
-                </a:solidFill>
-              </a:rPr>
-              <a:t>xtable</a:t>
-            </a:r>
-            <a:r>
-              <a:rPr lang="en-US" dirty="0">
-                <a:solidFill>
-                  <a:srgbClr val="404040"/>
-                </a:solidFill>
-              </a:rPr>
-              <a:t> Package</a:t>
-            </a:r>
-          </a:p>
-          <a:p>
-            <a:pPr marL="1257300" lvl="2" indent="-342900">
-              <a:buFont typeface="Arial" panose="020B0604020202020204" pitchFamily="34" charset="0"/>
-              <a:buChar char="•"/>
-            </a:pPr>
-            <a:r>
-              <a:rPr lang="en-US" dirty="0" err="1">
-                <a:solidFill>
-                  <a:srgbClr val="404040"/>
-                </a:solidFill>
-              </a:rPr>
-              <a:t>kable</a:t>
-            </a:r>
-            <a:r>
-              <a:rPr lang="en-US" dirty="0">
-                <a:solidFill>
-                  <a:srgbClr val="404040"/>
-                </a:solidFill>
-              </a:rPr>
-              <a:t> Package</a:t>
-            </a:r>
-          </a:p>
-          <a:p>
-            <a:pPr marL="800100" lvl="1" indent="-342900">
-              <a:buFont typeface="Arial" panose="020B0604020202020204" pitchFamily="34" charset="0"/>
-              <a:buChar char="•"/>
-            </a:pPr>
-            <a:r>
-              <a:rPr lang="en-US" dirty="0">
-                <a:solidFill>
-                  <a:srgbClr val="404040"/>
-                </a:solidFill>
-              </a:rPr>
-              <a:t>Completely Free of Grammatical/ Spelling Error</a:t>
+              <a:t>Submit on Sakai </a:t>
             </a:r>
           </a:p>
           <a:p>
@@ -8846,7 +8746,21 @@
             </a:endParaRPr>
           </a:p>
           <a:p>
-            <a:pPr marL="342900" indent="-342900">
+            <a:pPr marL="800100" lvl="1" indent="-342900">
+              <a:buFont typeface="Arial" panose="020B0604020202020204" pitchFamily="34" charset="0"/>
+              <a:buChar char="•"/>
+            </a:pPr>
+            <a:r>
+              <a:rPr lang="en-US" dirty="0">
+                <a:solidFill>
+                  <a:srgbClr val="404040"/>
+                </a:solidFill>
+              </a:rPr>
+              <a:t>No R Code</a:t>
+            </a:r>
+          </a:p>
+          <a:p>
+            <a:pPr marL="800100" lvl="1" indent="-342900">
               <a:buFont typeface="Arial" panose="020B0604020202020204" pitchFamily="34" charset="0"/>
               <a:buChar char="•"/>
             </a:pPr>
@@ -8855,6 +8769,177 @@
                 <a:srgbClr val="404040"/>
               </a:solidFill>
             </a:endParaRPr>
+          </a:p>
+          <a:p>
+            <a:pPr marL="800100" lvl="1" indent="-342900">
+              <a:buFont typeface="Arial" panose="020B0604020202020204" pitchFamily="34" charset="0"/>
+              <a:buChar char="•"/>
+            </a:pPr>
+            <a:r>
+              <a:rPr lang="en-US" dirty="0">
+                <a:solidFill>
+                  <a:srgbClr val="404040"/>
+                </a:solidFill>
+              </a:rPr>
+              <a:t>Figures Should Be Labeled, Colored, and Appropriate</a:t>
+            </a:r>
+          </a:p>
+          <a:p>
+            <a:pPr marL="800100" lvl="1" indent="-342900">
+              <a:buFont typeface="Arial" panose="020B0604020202020204" pitchFamily="34" charset="0"/>
+              <a:buChar char="•"/>
+            </a:pPr>
+            <a:endParaRPr lang="en-US" dirty="0">
+              <a:solidFill>
+                <a:srgbClr val="404040"/>
+              </a:solidFill>
+            </a:endParaRPr>
+          </a:p>
+          <a:p>
+            <a:pPr marL="800100" lvl="1" indent="-342900">
+              <a:buFont typeface="Arial" panose="020B0604020202020204" pitchFamily="34" charset="0"/>
+              <a:buChar char="•"/>
+            </a:pPr>
+            <a:r>
+              <a:rPr lang="en-US" dirty="0">
+                <a:solidFill>
+                  <a:srgbClr val="404040"/>
+                </a:solidFill>
+              </a:rPr>
+              <a:t>Tables Should Be in HTML</a:t>
+            </a:r>
+          </a:p>
+          <a:p>
+            <a:pPr marL="1257300" lvl="2" indent="-342900">
+              <a:buFont typeface="Arial" panose="020B0604020202020204" pitchFamily="34" charset="0"/>
+              <a:buChar char="•"/>
+            </a:pPr>
+            <a:r>
+              <a:rPr lang="en-US" dirty="0" err="1">
+                <a:solidFill>
+                  <a:srgbClr val="404040"/>
+                </a:solidFill>
+              </a:rPr>
+              <a:t>xtable</a:t>
+            </a:r>
+            <a:r>
+              <a:rPr lang="en-US" dirty="0">
+                <a:solidFill>
+                  <a:srgbClr val="404040"/>
+                </a:solidFill>
+              </a:rPr>
+              <a:t> Package</a:t>
+            </a:r>
+          </a:p>
+          <a:p>
+            <a:pPr marL="1257300" lvl="2" indent="-342900">
+              <a:buFont typeface="Arial" panose="020B0604020202020204" pitchFamily="34" charset="0"/>
+              <a:buChar char="•"/>
+            </a:pPr>
+            <a:r>
+              <a:rPr lang="en-US" dirty="0" err="1">
+                <a:solidFill>
+                  <a:srgbClr val="404040"/>
+                </a:solidFill>
+              </a:rPr>
+              <a:t>kable</a:t>
+            </a:r>
+            <a:r>
+              <a:rPr lang="en-US" dirty="0">
+                <a:solidFill>
+                  <a:srgbClr val="404040"/>
+                </a:solidFill>
+              </a:rPr>
+              <a:t> Package</a:t>
+            </a:r>
+          </a:p>
+          <a:p>
+            <a:pPr marL="1257300" lvl="2" indent="-342900">
+              <a:buFont typeface="Arial" panose="020B0604020202020204" pitchFamily="34" charset="0"/>
+              <a:buChar char="•"/>
+            </a:pPr>
+            <a:endParaRPr lang="en-US" dirty="0">
+              <a:solidFill>
+                <a:srgbClr val="404040"/>
+              </a:solidFill>
+            </a:endParaRPr>
+          </a:p>
+          <a:p>
+            <a:pPr marL="800100" lvl="1" indent="-342900">
+              <a:buFont typeface="Arial" panose="020B0604020202020204" pitchFamily="34" charset="0"/>
+              <a:buChar char="•"/>
+            </a:pPr>
+            <a:r>
+              <a:rPr lang="en-US" dirty="0">
+                <a:solidFill>
+                  <a:srgbClr val="404040"/>
+                </a:solidFill>
+              </a:rPr>
+              <a:t>Completely Free of Grammatical/ Spelling Error</a:t>
+            </a:r>
+          </a:p>
+          <a:p>
+            <a:pPr marL="800100" lvl="1" indent="-342900">
+              <a:buFont typeface="Arial" panose="020B0604020202020204" pitchFamily="34" charset="0"/>
+              <a:buChar char="•"/>
+            </a:pPr>
+            <a:endParaRPr lang="en-US" dirty="0">
+              <a:solidFill>
+                <a:srgbClr val="404040"/>
+              </a:solidFill>
+            </a:endParaRPr>
+          </a:p>
+          <a:p>
+            <a:pPr marL="342900" indent="-342900">
+              <a:buFont typeface="Arial" panose="020B0604020202020204" pitchFamily="34" charset="0"/>
+              <a:buChar char="•"/>
+            </a:pPr>
+            <a:endParaRPr lang="en-US" dirty="0">
+              <a:solidFill>
+                <a:srgbClr val="404040"/>
+              </a:solidFill>
+            </a:endParaRPr>
+          </a:p>
+        </p:txBody>
+      </p:sp>
+      <p:sp>
+        <p:nvSpPr>
+          <p:cNvPr id="3" name="TextBox 2">
+            <a:extLst>
+              <a:ext uri="{FF2B5EF4-FFF2-40B4-BE49-F238E27FC236}">
+                <a16:creationId xmlns:a16="http://schemas.microsoft.com/office/drawing/2014/main" id="{65F4E401-2D18-4F09-A0D6-FFB2C7B98949}"/>
+              </a:ext>
+            </a:extLst>
+          </p:cNvPr>
+          <p:cNvSpPr txBox="1"/>
+          <p:nvPr/>
+        </p:nvSpPr>
+        <p:spPr>
+          <a:xfrm>
+            <a:off x="6567914" y="1749451"/>
+            <a:ext cx="1676400" cy="400110"/>
+          </a:xfrm>
+          <a:prstGeom prst="rect">
+            <a:avLst/>
+          </a:prstGeom>
+          <a:solidFill>
+            <a:srgbClr val="404040"/>
+          </a:solidFill>
+        </p:spPr>
+        <p:txBody>
+          <a:bodyPr wrap="square" rtlCol="0">
+            <a:spAutoFit/>
+          </a:bodyPr>
+          <a:lstStyle/>
+          <a:p>
+            <a:r>
+              <a:rPr lang="en-US" sz="2000" dirty="0">
+                <a:solidFill>
+                  <a:schemeClr val="bg1"/>
+                </a:solidFill>
+              </a:rPr>
+              <a:t>echo=FALSE</a:t>
+            </a:r>
           </a:p>
         </p:txBody>
       </p:sp>
@@ -9036,7 +9121,7 @@
                 <a:ea typeface="+mj-ea"/>
                 <a:cs typeface="+mj-cs"/>
               </a:rPr>
-              <a:t>Part 4</a:t>
+              <a:t>Part 3</a:t>
             </a:r>
             <a:br>
               <a:rPr lang="en-US" sz="2400" kern="1200" dirty="0">
@@ -9107,7 +9192,7 @@
         <p:spPr>
           <a:xfrm>
             <a:off x="3962400" y="643467"/>
-            <a:ext cx="5181600" cy="4154984"/>
+            <a:ext cx="5181600" cy="2677656"/>
           </a:xfrm>
           <a:prstGeom prst="rect">
             <a:avLst/>
@@ -9130,7 +9215,7 @@
                   <a:srgbClr val="404040"/>
                 </a:solidFill>
               </a:rPr>
-              <a:t>Final Ranking</a:t>
+              <a:t>Group Scoring (CIOD)</a:t>
             </a:r>
           </a:p>
           <a:p>
@@ -9144,7 +9229,7 @@
                   <a:srgbClr val="404040"/>
                 </a:solidFill>
               </a:rPr>
-              <a:t>Rank Members According to Their Level of Contribution</a:t>
+              <a:t>Score Members from 0 to 5</a:t>
             </a:r>
           </a:p>
           <a:p>
@@ -9158,7 +9243,7 @@
                   <a:srgbClr val="404040"/>
                 </a:solidFill>
               </a:rPr>
-              <a:t>Rank Goes From 1 to Number of Members</a:t>
+              <a:t>The Score You Give Yourself Doesn’t Matter in Calculation</a:t>
             </a:r>
           </a:p>
           <a:p>
@@ -9172,35 +9257,7 @@
                   <a:srgbClr val="404040"/>
                 </a:solidFill>
               </a:rPr>
-              <a:t>Required to Rank Yourself</a:t>
-            </a:r>
-          </a:p>
-          <a:p>
-            <a:pPr marL="800100" lvl="1" indent="-342900">
-              <a:buFont typeface="Arial" panose="020B0604020202020204" pitchFamily="34" charset="0"/>
-              <a:buChar char="•"/>
-            </a:pPr>
-            <a:r>
-              <a:rPr lang="en-US" dirty="0">
-                <a:solidFill>
-                  <a:srgbClr val="404040"/>
-                </a:solidFill>
-              </a:rPr>
-              <a:t>Every Member Gets a Different Number (No Ties)</a:t>
-            </a:r>
-          </a:p>
-          <a:p>
-            <a:pPr marL="800100" lvl="1" indent="-342900">
-              <a:buFont typeface="Arial" panose="020B0604020202020204" pitchFamily="34" charset="0"/>
-              <a:buChar char="•"/>
-            </a:pPr>
-            <a:r>
-              <a:rPr lang="en-US" dirty="0">
-                <a:solidFill>
-                  <a:srgbClr val="404040"/>
-                </a:solidFill>
-              </a:rPr>
-              <a:t>Submit on Sakai Before Final Paper is Due</a:t>
+              <a:t>Submit on Sakai on the Day of Final Presentations</a:t>
             </a:r>
           </a:p>
           <a:p>
@@ -9234,13 +9291,13 @@
           <p:nvPr>
             <p:extLst>
               <p:ext uri="{D42A27DB-BD31-4B8C-83A1-F6EECF244321}">
-                <p14:modId xmlns:p14="http://schemas.microsoft.com/office/powerpoint/2010/main" val="1049603660"/>
+                <p14:modId xmlns:p14="http://schemas.microsoft.com/office/powerpoint/2010/main" val="1795483846"/>
               </p:ext>
             </p:extLst>
           </p:nvPr>
         </p:nvGraphicFramePr>
         <p:xfrm>
-          <a:off x="4050391" y="4953000"/>
+          <a:off x="4050391" y="3581400"/>
           <a:ext cx="4665542" cy="1752600"/>
         </p:xfrm>
         <a:graphic>
@@ -9303,7 +9360,7 @@
                         <a:rPr lang="en-US" sz="2100" b="1" u="none" strike="noStrike" dirty="0">
                           <a:effectLst/>
                         </a:rPr>
-                        <a:t>Rank</a:t>
+                        <a:t>Score</a:t>
                       </a:r>
                       <a:endParaRPr lang="en-US" sz="2100" b="1" i="0" u="none" strike="noStrike" dirty="0">
                         <a:solidFill>
@@ -9357,18 +9414,15 @@
                     <a:p>
                       <a:pPr algn="ctr" fontAlgn="b"/>
                       <a:r>
-                        <a:rPr lang="en-US" sz="2100" u="none" strike="noStrike" dirty="0">
+                        <a:rPr lang="en-US" sz="2100" b="0" i="0" u="none" strike="noStrike" dirty="0">
+                          <a:solidFill>
+                            <a:schemeClr val="bg1"/>
+                          </a:solidFill>
                           <a:effectLst/>
+                          <a:latin typeface="Calibri" panose="020F0502020204030204" pitchFamily="34" charset="0"/>
                         </a:rPr>
-                        <a:t>4</a:t>
+                        <a:t>5</a:t>
                       </a:r>
-                      <a:endParaRPr lang="en-US" sz="2100" b="0" i="0" u="none" strike="noStrike" dirty="0">
-                        <a:solidFill>
-                          <a:srgbClr val="000000"/>
-                        </a:solidFill>
-                        <a:effectLst/>
-                        <a:latin typeface="Calibri" panose="020F0502020204030204" pitchFamily="34" charset="0"/>
-                      </a:endParaRPr>
                     </a:p>
                   </a:txBody>
                   <a:tcPr marL="12087" marR="12087" marT="12087" marB="0" anchor="ctr"/>
@@ -9516,18 +9570,15 @@
                     <a:p>
                       <a:pPr algn="ctr" fontAlgn="b"/>
                       <a:r>
-                        <a:rPr lang="en-US" sz="2100" u="none" strike="noStrike" dirty="0">
+                        <a:rPr lang="en-US" sz="2100" b="0" i="0" u="none" strike="noStrike" dirty="0">
+                          <a:solidFill>
+                            <a:schemeClr val="bg1"/>
+                          </a:solidFill>
                           <a:effectLst/>
+                          <a:latin typeface="Calibri" panose="020F0502020204030204" pitchFamily="34" charset="0"/>
                         </a:rPr>
-                        <a:t>3</a:t>
+                        <a:t>2</a:t>
                       </a:r>
-                      <a:endParaRPr lang="en-US" sz="2100" b="0" i="0" u="none" strike="noStrike" dirty="0">
-                        <a:solidFill>
-                          <a:srgbClr val="000000"/>
-                        </a:solidFill>
-                        <a:effectLst/>
-                        <a:latin typeface="Calibri" panose="020F0502020204030204" pitchFamily="34" charset="0"/>
-                      </a:endParaRPr>
                     </a:p>
                   </a:txBody>
                   <a:tcPr marL="12087" marR="12087" marT="12087" marB="0" anchor="b"/>
@@ -9720,17 +9771,7 @@
                 <a:ea typeface="+mj-ea"/>
                 <a:cs typeface="+mj-cs"/>
               </a:rPr>
-              <a:t>Part </a:t>
-            </a:r>
-            <a:r>
-              <a:rPr lang="en-US" sz="2400" dirty="0">
-                <a:solidFill>
-                  <a:schemeClr val="bg1"/>
-                </a:solidFill>
-                <a:ea typeface="+mj-ea"/>
-                <a:cs typeface="+mj-cs"/>
-              </a:rPr>
-              <a:t>3</a:t>
+              <a:t>Part 4</a:t>
             </a:r>
             <a:br>
               <a:rPr lang="en-US" sz="2400" kern="1200" dirty="0">
@@ -9801,7 +9842,7 @@
         <p:spPr>
           <a:xfrm>
             <a:off x="3962400" y="643467"/>
-            <a:ext cx="5029200" cy="6001643"/>
+            <a:ext cx="5029200" cy="5632311"/>
           </a:xfrm>
           <a:prstGeom prst="rect">
             <a:avLst/>
@@ -9824,7 +9865,7 @@
                   <a:srgbClr val="404040"/>
                 </a:solidFill>
               </a:rPr>
-              <a:t>Select 1 of the 2 Questions</a:t>
+              <a:t>Select 1 of 2 Questions (CIOD)</a:t>
             </a:r>
           </a:p>
           <a:p>
@@ -9849,7 +9890,7 @@
                   <a:srgbClr val="404040"/>
                 </a:solidFill>
               </a:rPr>
-              <a:t>Details</a:t>
+              <a:t>Presentation Details (O)</a:t>
             </a:r>
           </a:p>
           <a:p>
@@ -9863,7 +9904,7 @@
                   <a:srgbClr val="404040"/>
                 </a:solidFill>
               </a:rPr>
-              <a:t>3-5 Minutes</a:t>
+              <a:t>4-7 Minutes</a:t>
             </a:r>
           </a:p>
           <a:p>
@@ -9906,20 +9947,6 @@
                 </a:solidFill>
               </a:rPr>
               <a:t>Ordered by Group Number</a:t>
-            </a:r>
-          </a:p>
-          <a:p>
-            <a:pPr marL="800100" lvl="1" indent="-342900">
-              <a:buFont typeface="Arial" panose="020B0604020202020204" pitchFamily="34" charset="0"/>
-              <a:buChar char="•"/>
-            </a:pPr>
-            <a:r>
-              <a:rPr lang="en-US" dirty="0">
-                <a:solidFill>
-                  <a:srgbClr val="404040"/>
-                </a:solidFill>
-              </a:rPr>
-              <a:t>Submit Slides on Sakai</a:t>
             </a:r>
           </a:p>
           <a:p>
@@ -9941,7 +9968,7 @@
                   <a:srgbClr val="404040"/>
                 </a:solidFill>
               </a:rPr>
-              <a:t>Subjective Grading (1, 2, or 3)</a:t>
+              <a:t>Subjective Grading (O)</a:t>
             </a:r>
           </a:p>
           <a:p>
@@ -10194,17 +10221,7 @@
                 <a:ea typeface="+mj-ea"/>
                 <a:cs typeface="+mj-cs"/>
               </a:rPr>
-              <a:t>Part </a:t>
-            </a:r>
-            <a:r>
-              <a:rPr lang="en-US" sz="2400" dirty="0">
-                <a:solidFill>
-                  <a:schemeClr val="bg1"/>
-                </a:solidFill>
-                <a:ea typeface="+mj-ea"/>
-                <a:cs typeface="+mj-cs"/>
-              </a:rPr>
-              <a:t>3</a:t>
+              <a:t>Part 4</a:t>
             </a:r>
             <a:br>
               <a:rPr lang="en-US" sz="2400" kern="1200" dirty="0">
@@ -10275,7 +10292,7 @@
         <p:spPr>
           <a:xfrm>
             <a:off x="3962400" y="643467"/>
-            <a:ext cx="5029200" cy="5632311"/>
+            <a:ext cx="5029200" cy="4524315"/>
           </a:xfrm>
           <a:prstGeom prst="rect">
             <a:avLst/>
@@ -10298,7 +10315,7 @@
                   <a:srgbClr val="404040"/>
                 </a:solidFill>
               </a:rPr>
-              <a:t>All Members Involved</a:t>
+              <a:t>All Members Involved (CIOD)</a:t>
             </a:r>
           </a:p>
           <a:p>
@@ -10407,56 +10424,10 @@
                   <a:srgbClr val="404040"/>
                 </a:solidFill>
               </a:rPr>
-              <a:t>Questions From Audience</a:t>
-            </a:r>
-          </a:p>
-          <a:p>
-            <a:pPr marL="800100" lvl="1" indent="-342900">
-              <a:buFont typeface="Arial" panose="020B0604020202020204" pitchFamily="34" charset="0"/>
-              <a:buChar char="•"/>
-            </a:pPr>
-            <a:r>
-              <a:rPr lang="en-US" dirty="0">
-                <a:solidFill>
-                  <a:srgbClr val="404040"/>
-                </a:solidFill>
-              </a:rPr>
-              <a:t>Maximum of 2 Questions</a:t>
-            </a:r>
-          </a:p>
-          <a:p>
-            <a:pPr marL="800100" lvl="1" indent="-342900">
-              <a:buFont typeface="Arial" panose="020B0604020202020204" pitchFamily="34" charset="0"/>
-              <a:buChar char="•"/>
-            </a:pPr>
-            <a:r>
-              <a:rPr lang="en-US" dirty="0">
-                <a:solidFill>
-                  <a:srgbClr val="404040"/>
-                </a:solidFill>
-              </a:rPr>
-              <a:t>Ability to Answer (2 Points)</a:t>
-            </a:r>
-          </a:p>
-          <a:p>
-            <a:pPr marL="800100" lvl="1" indent="-342900">
-              <a:buFont typeface="Arial" panose="020B0604020202020204" pitchFamily="34" charset="0"/>
-              <a:buChar char="•"/>
-            </a:pPr>
-            <a:r>
-              <a:rPr lang="en-US" dirty="0">
-                <a:solidFill>
-                  <a:srgbClr val="404040"/>
-                </a:solidFill>
-              </a:rPr>
-              <a:t>No Q’s = 2 Points</a:t>
-            </a:r>
-          </a:p>
-          <a:p>
-            <a:pPr marL="800100" lvl="1" indent="-342900">
-              <a:buFont typeface="Arial" panose="020B0604020202020204" pitchFamily="34" charset="0"/>
-              <a:buChar char="•"/>
-            </a:pPr>
+              <a:t>Submit Slides on Sakai (D)</a:t>
+            </a:r>
+          </a:p>
+          <a:p>
             <a:endParaRPr lang="en-US" dirty="0">
               <a:solidFill>
                 <a:srgbClr val="404040"/>
@@ -11381,7 +11352,7 @@
         <p:spPr>
           <a:xfrm>
             <a:off x="3962400" y="645037"/>
-            <a:ext cx="5181600" cy="5262979"/>
+            <a:ext cx="5181600" cy="4893647"/>
           </a:xfrm>
           <a:prstGeom prst="rect">
             <a:avLst/>
@@ -11406,17 +11377,6 @@
               </a:rPr>
               <a:t>What You Should Have?</a:t>
             </a:r>
-          </a:p>
-          <a:p>
-            <a:pPr marL="800100" lvl="1" indent="-342900">
-              <a:buFont typeface="Arial" panose="020B0604020202020204" pitchFamily="34" charset="0"/>
-              <a:buChar char="•"/>
-            </a:pPr>
-            <a:endParaRPr lang="en-US" dirty="0">
-              <a:solidFill>
-                <a:srgbClr val="404040"/>
-              </a:solidFill>
-            </a:endParaRPr>
           </a:p>
           <a:p>
             <a:pPr marL="800100" lvl="1" indent="-342900">
@@ -11782,7 +11742,7 @@
         <p:spPr>
           <a:xfrm>
             <a:off x="3962400" y="645037"/>
-            <a:ext cx="5181600" cy="6001643"/>
+            <a:ext cx="5181600" cy="5262979"/>
           </a:xfrm>
           <a:prstGeom prst="rect">
             <a:avLst/>
@@ -11813,6 +11773,45 @@
               <a:buFont typeface="Arial" panose="020B0604020202020204" pitchFamily="34" charset="0"/>
               <a:buChar char="•"/>
             </a:pPr>
+            <a:r>
+              <a:rPr lang="en-US" dirty="0">
+                <a:solidFill>
+                  <a:srgbClr val="404040"/>
+                </a:solidFill>
+              </a:rPr>
+              <a:t>Highly Related</a:t>
+            </a:r>
+          </a:p>
+          <a:p>
+            <a:pPr marL="800100" lvl="1" indent="-342900">
+              <a:buFont typeface="Arial" panose="020B0604020202020204" pitchFamily="34" charset="0"/>
+              <a:buChar char="•"/>
+            </a:pPr>
+            <a:r>
+              <a:rPr lang="en-US" dirty="0">
+                <a:solidFill>
+                  <a:srgbClr val="404040"/>
+                </a:solidFill>
+              </a:rPr>
+              <a:t>All Group Members Should Be Involved in Both Parts</a:t>
+            </a:r>
+          </a:p>
+          <a:p>
+            <a:pPr marL="800100" lvl="1" indent="-342900">
+              <a:buFont typeface="Arial" panose="020B0604020202020204" pitchFamily="34" charset="0"/>
+              <a:buChar char="•"/>
+            </a:pPr>
+            <a:r>
+              <a:rPr lang="en-US" dirty="0">
+                <a:solidFill>
+                  <a:srgbClr val="404040"/>
+                </a:solidFill>
+              </a:rPr>
+              <a:t>Advice: Paper     Presentation</a:t>
+            </a:r>
+          </a:p>
+          <a:p>
+            <a:pPr lvl="1"/>
             <a:endParaRPr lang="en-US" dirty="0">
               <a:solidFill>
                 <a:srgbClr val="404040"/>
@@ -11820,6 +11819,20 @@
             </a:endParaRPr>
           </a:p>
           <a:p>
+            <a:pPr marL="342900" indent="-342900">
+              <a:buFont typeface="Arial" panose="020B0604020202020204" pitchFamily="34" charset="0"/>
+              <a:buChar char="•"/>
+            </a:pPr>
+            <a:r>
+              <a:rPr lang="en-US" dirty="0">
+                <a:solidFill>
+                  <a:srgbClr val="404040"/>
+                </a:solidFill>
+              </a:rPr>
+              <a:t>Feel Free to Notify Me if…</a:t>
+            </a:r>
+          </a:p>
+          <a:p>
             <a:pPr marL="800100" lvl="1" indent="-342900">
               <a:buFont typeface="Arial" panose="020B0604020202020204" pitchFamily="34" charset="0"/>
               <a:buChar char="•"/>
@@ -11830,7 +11843,7 @@
                   <a:srgbClr val="404040"/>
                 </a:solidFill>
               </a:rPr>
-              <a:t>Highly Related</a:t>
+              <a:t>A Member has Dropped</a:t>
             </a:r>
           </a:p>
           <a:p>
@@ -11844,7 +11857,7 @@
                   <a:srgbClr val="404040"/>
                 </a:solidFill>
               </a:rPr>
-              <a:t>All Group Members Should Be Involved in Both Parts</a:t>
+              <a:t>A Member has Avoided Work</a:t>
             </a:r>
           </a:p>
           <a:p>
@@ -11858,60 +11871,7 @@
                   <a:srgbClr val="404040"/>
                 </a:solidFill>
               </a:rPr>
-              <a:t>Advice</a:t>
-            </a:r>
-          </a:p>
-          <a:p>
-            <a:pPr marL="1257300" lvl="2" indent="-342900">
-              <a:buFont typeface="Arial" panose="020B0604020202020204" pitchFamily="34" charset="0"/>
-              <a:buChar char="•"/>
-            </a:pPr>
-            <a:r>
-              <a:rPr lang="en-US" dirty="0">
-                <a:solidFill>
-                  <a:srgbClr val="404040"/>
-                </a:solidFill>
-              </a:rPr>
-              <a:t>Paper     Presentation</a:t>
-            </a:r>
-          </a:p>
-          <a:p>
-            <a:pPr marL="1257300" lvl="2" indent="-342900">
-              <a:buFont typeface="Arial" panose="020B0604020202020204" pitchFamily="34" charset="0"/>
-              <a:buChar char="•"/>
-            </a:pPr>
-            <a:r>
-              <a:rPr lang="en-US" dirty="0">
-                <a:solidFill>
-                  <a:srgbClr val="404040"/>
-                </a:solidFill>
-              </a:rPr>
-              <a:t>Presentation     Paper</a:t>
-            </a:r>
-          </a:p>
-          <a:p>
-            <a:pPr marL="1257300" lvl="2" indent="-342900">
-              <a:buFont typeface="Arial" panose="020B0604020202020204" pitchFamily="34" charset="0"/>
-              <a:buChar char="•"/>
-            </a:pPr>
-            <a:endParaRPr lang="en-US" dirty="0">
-              <a:solidFill>
-                <a:srgbClr val="404040"/>
-              </a:solidFill>
-            </a:endParaRPr>
-          </a:p>
-          <a:p>
-            <a:pPr marL="342900" indent="-342900">
-              <a:buFont typeface="Arial" panose="020B0604020202020204" pitchFamily="34" charset="0"/>
-              <a:buChar char="•"/>
-            </a:pPr>
-            <a:r>
-              <a:rPr lang="en-US" dirty="0">
-                <a:solidFill>
-                  <a:srgbClr val="404040"/>
-                </a:solidFill>
-              </a:rPr>
-              <a:t>Feel Free to Notify Me if…</a:t>
+              <a:t>A Member has Been Utterly Useless</a:t>
             </a:r>
           </a:p>
           <a:p>
@@ -11925,35 +11885,7 @@
                   <a:srgbClr val="404040"/>
                 </a:solidFill>
               </a:rPr>
-              <a:t>A Member has Dropped</a:t>
-            </a:r>
-          </a:p>
-          <a:p>
-            <a:pPr marL="800100" lvl="1" indent="-342900">
-              <a:buFont typeface="Arial" panose="020B0604020202020204" pitchFamily="34" charset="0"/>
-              <a:buChar char="•"/>
-            </a:pPr>
-            <a:r>
-              <a:rPr lang="en-US" dirty="0">
-                <a:solidFill>
-                  <a:srgbClr val="404040"/>
-                </a:solidFill>
-              </a:rPr>
-              <a:t>A Member has Avoided Work</a:t>
-            </a:r>
-          </a:p>
-          <a:p>
-            <a:pPr marL="800100" lvl="1" indent="-342900">
-              <a:buFont typeface="Arial" panose="020B0604020202020204" pitchFamily="34" charset="0"/>
-              <a:buChar char="•"/>
-            </a:pPr>
-            <a:r>
-              <a:rPr lang="en-US" dirty="0">
-                <a:solidFill>
-                  <a:srgbClr val="404040"/>
-                </a:solidFill>
-              </a:rPr>
-              <a:t>A Member has Been Utterly Useless</a:t>
+              <a:t>A Member is Outstanding</a:t>
             </a:r>
           </a:p>
           <a:p>
@@ -11997,60 +11929,8 @@
         </p:nvSpPr>
         <p:spPr>
           <a:xfrm>
-            <a:off x="6248400" y="2971800"/>
-            <a:ext cx="152400" cy="152400"/>
-          </a:xfrm>
-          <a:prstGeom prst="rightArrow">
-            <a:avLst/>
-          </a:prstGeom>
-          <a:solidFill>
-            <a:srgbClr val="404040"/>
-          </a:solidFill>
-          <a:ln>
-            <a:solidFill>
-              <a:srgbClr val="404040"/>
-            </a:solidFill>
-          </a:ln>
-        </p:spPr>
-        <p:style>
-          <a:lnRef idx="2">
-            <a:schemeClr val="dk1"/>
-          </a:lnRef>
-          <a:fillRef idx="1">
-            <a:schemeClr val="lt1"/>
-          </a:fillRef>
-          <a:effectRef idx="0">
-            <a:schemeClr val="dk1"/>
-          </a:effectRef>
-          <a:fontRef idx="minor">
-            <a:schemeClr val="dk1"/>
-          </a:fontRef>
-        </p:style>
-        <p:txBody>
-          <a:bodyPr rtlCol="0" anchor="ctr"/>
-          <a:lstStyle/>
-          <a:p>
-            <a:pPr algn="ctr"/>
-            <a:endParaRPr lang="en-US"/>
-          </a:p>
-        </p:txBody>
-      </p:sp>
-      <p:sp>
-        <p:nvSpPr>
-          <p:cNvPr id="10" name="Arrow: Right 9">
-            <a:extLst>
-              <a:ext uri="{FF2B5EF4-FFF2-40B4-BE49-F238E27FC236}">
-                <a16:creationId xmlns:a16="http://schemas.microsoft.com/office/drawing/2014/main" id="{DDF4CC9D-6F13-45E1-BE98-D347F00EB889}"/>
-              </a:ext>
-            </a:extLst>
-          </p:cNvPr>
-          <p:cNvSpPr/>
-          <p:nvPr/>
-        </p:nvSpPr>
-        <p:spPr>
-          <a:xfrm>
-            <a:off x="7162800" y="3352800"/>
-            <a:ext cx="152400" cy="152400"/>
+            <a:off x="6858000" y="2286000"/>
+            <a:ext cx="228600" cy="152400"/>
           </a:xfrm>
           <a:prstGeom prst="rightArrow">
             <a:avLst/>
@@ -12265,7 +12145,7 @@
                 <a:ea typeface="+mj-ea"/>
                 <a:cs typeface="+mj-cs"/>
               </a:rPr>
-              <a:t>Part 4</a:t>
+              <a:t>Part 3</a:t>
             </a:r>
             <a:br>
               <a:rPr lang="en-US" sz="2400" kern="1200" dirty="0">
@@ -12336,7 +12216,7 @@
         <p:spPr>
           <a:xfrm>
             <a:off x="3962400" y="643467"/>
-            <a:ext cx="5029200" cy="5632311"/>
+            <a:ext cx="5029200" cy="4893647"/>
           </a:xfrm>
           <a:prstGeom prst="rect">
             <a:avLst/>
@@ -12348,31 +12228,6 @@
             <a:spAutoFit/>
           </a:bodyPr>
           <a:lstStyle/>
-          <a:p>
-            <a:pPr marL="342900" indent="-342900">
-              <a:buFont typeface="Arial" panose="020B0604020202020204" pitchFamily="34" charset="0"/>
-              <a:buChar char="•"/>
-            </a:pPr>
-            <a:r>
-              <a:rPr lang="en-US" dirty="0">
-                <a:solidFill>
-                  <a:srgbClr val="404040"/>
-                </a:solidFill>
-              </a:rPr>
-              <a:t>Intentionally Going Backwards</a:t>
-            </a:r>
-          </a:p>
-          <a:p>
-            <a:pPr marL="342900" indent="-342900">
-              <a:buFont typeface="Arial" panose="020B0604020202020204" pitchFamily="34" charset="0"/>
-              <a:buChar char="•"/>
-            </a:pPr>
-            <a:endParaRPr lang="en-US" dirty="0">
-              <a:solidFill>
-                <a:srgbClr val="404040"/>
-              </a:solidFill>
-            </a:endParaRPr>
-          </a:p>
           <a:p>
             <a:pPr marL="342900" indent="-342900">
               <a:buFont typeface="Arial" panose="020B0604020202020204" pitchFamily="34" charset="0"/>
@@ -12777,7 +12632,7 @@
         <p:spPr>
           <a:xfrm>
             <a:off x="3962400" y="643467"/>
-            <a:ext cx="5029200" cy="6001643"/>
+            <a:ext cx="5029200" cy="5632311"/>
           </a:xfrm>
           <a:prstGeom prst="rect">
             <a:avLst/>
@@ -12802,17 +12657,6 @@
               </a:rPr>
               <a:t>Introduction</a:t>
             </a:r>
-          </a:p>
-          <a:p>
-            <a:pPr marL="800100" lvl="1" indent="-342900">
-              <a:buFont typeface="Arial" panose="020B0604020202020204" pitchFamily="34" charset="0"/>
-              <a:buChar char="•"/>
-            </a:pPr>
-            <a:endParaRPr lang="en-US" dirty="0">
-              <a:solidFill>
-                <a:srgbClr val="404040"/>
-              </a:solidFill>
-            </a:endParaRPr>
           </a:p>
           <a:p>
             <a:pPr marL="800100" lvl="1" indent="-342900">
@@ -13212,7 +13056,7 @@
         <p:spPr>
           <a:xfrm>
             <a:off x="3962400" y="643467"/>
-            <a:ext cx="5181600" cy="6001643"/>
+            <a:ext cx="5181600" cy="5632311"/>
           </a:xfrm>
           <a:prstGeom prst="rect">
             <a:avLst/>
@@ -13237,17 +13081,6 @@
               </a:rPr>
               <a:t>Data</a:t>
             </a:r>
-          </a:p>
-          <a:p>
-            <a:pPr marL="800100" lvl="1" indent="-342900">
-              <a:buFont typeface="Arial" panose="020B0604020202020204" pitchFamily="34" charset="0"/>
-              <a:buChar char="•"/>
-            </a:pPr>
-            <a:endParaRPr lang="en-US" dirty="0">
-              <a:solidFill>
-                <a:srgbClr val="404040"/>
-              </a:solidFill>
-            </a:endParaRPr>
           </a:p>
           <a:p>
             <a:pPr marL="800100" lvl="1" indent="-342900">
@@ -13687,7 +13520,7 @@
         <p:spPr>
           <a:xfrm>
             <a:off x="3962400" y="643467"/>
-            <a:ext cx="5181600" cy="5262979"/>
+            <a:ext cx="5181600" cy="4893647"/>
           </a:xfrm>
           <a:prstGeom prst="rect">
             <a:avLst/>
@@ -13712,17 +13545,6 @@
               </a:rPr>
               <a:t>Results</a:t>
             </a:r>
-          </a:p>
-          <a:p>
-            <a:pPr marL="800100" lvl="1" indent="-342900">
-              <a:buFont typeface="Arial" panose="020B0604020202020204" pitchFamily="34" charset="0"/>
-              <a:buChar char="•"/>
-            </a:pPr>
-            <a:endParaRPr lang="en-US" dirty="0">
-              <a:solidFill>
-                <a:srgbClr val="404040"/>
-              </a:solidFill>
-            </a:endParaRPr>
           </a:p>
           <a:p>
             <a:pPr marL="800100" lvl="1" indent="-342900">
@@ -14061,7 +13883,7 @@
         <p:spPr>
           <a:xfrm>
             <a:off x="3962400" y="643467"/>
-            <a:ext cx="5181600" cy="5632311"/>
+            <a:ext cx="5181600" cy="5262979"/>
           </a:xfrm>
           <a:prstGeom prst="rect">
             <a:avLst/>
@@ -14086,17 +13908,6 @@
               </a:rPr>
               <a:t>Results</a:t>
             </a:r>
-          </a:p>
-          <a:p>
-            <a:pPr marL="800100" lvl="1" indent="-342900">
-              <a:buFont typeface="Arial" panose="020B0604020202020204" pitchFamily="34" charset="0"/>
-              <a:buChar char="•"/>
-            </a:pPr>
-            <a:endParaRPr lang="en-US" dirty="0">
-              <a:solidFill>
-                <a:srgbClr val="404040"/>
-              </a:solidFill>
-            </a:endParaRPr>
           </a:p>
           <a:p>
             <a:pPr marL="800100" lvl="1" indent="-342900">
@@ -14469,7 +14280,7 @@
         <p:spPr>
           <a:xfrm>
             <a:off x="3962400" y="643467"/>
-            <a:ext cx="5181600" cy="6001643"/>
+            <a:ext cx="5181600" cy="5632311"/>
           </a:xfrm>
           <a:prstGeom prst="rect">
             <a:avLst/>
@@ -14494,17 +14305,6 @@
               </a:rPr>
               <a:t>Conclusion</a:t>
             </a:r>
-          </a:p>
-          <a:p>
-            <a:pPr marL="800100" lvl="1" indent="-342900">
-              <a:buFont typeface="Arial" panose="020B0604020202020204" pitchFamily="34" charset="0"/>
-              <a:buChar char="•"/>
-            </a:pPr>
-            <a:endParaRPr lang="en-US" dirty="0">
-              <a:solidFill>
-                <a:srgbClr val="404040"/>
-              </a:solidFill>
-            </a:endParaRPr>
           </a:p>
           <a:p>
             <a:pPr marL="800100" lvl="1" indent="-342900">

--- a/Lecture/Final Project 2/Final_Project_2_Lecture.pptx
+++ b/Lecture/Final Project 2/Final_Project_2_Lecture.pptx
@@ -301,7 +301,7 @@
               <a:pPr>
                 <a:defRPr/>
               </a:pPr>
-              <a:t>7/9/2019</a:t>
+              <a:t>2/23/2020</a:t>
             </a:fld>
             <a:endParaRPr lang="en-US" dirty="0"/>
           </a:p>
@@ -513,7 +513,7 @@
               <a:pPr>
                 <a:defRPr/>
               </a:pPr>
-              <a:t>7/9/2019</a:t>
+              <a:t>2/23/2020</a:t>
             </a:fld>
             <a:endParaRPr lang="en-US" dirty="0"/>
           </a:p>
@@ -1032,7 +1032,7 @@
               <a:pPr>
                 <a:defRPr/>
               </a:pPr>
-              <a:t>7/9/2019</a:t>
+              <a:t>2/23/2020</a:t>
             </a:fld>
             <a:endParaRPr lang="en-US" dirty="0"/>
           </a:p>
@@ -1222,7 +1222,7 @@
               <a:pPr>
                 <a:defRPr/>
               </a:pPr>
-              <a:t>7/9/2019</a:t>
+              <a:t>2/23/2020</a:t>
             </a:fld>
             <a:endParaRPr lang="en-US" dirty="0"/>
           </a:p>
@@ -1422,7 +1422,7 @@
               <a:pPr>
                 <a:defRPr/>
               </a:pPr>
-              <a:t>7/9/2019</a:t>
+              <a:t>2/23/2020</a:t>
             </a:fld>
             <a:endParaRPr lang="en-US" dirty="0"/>
           </a:p>
@@ -1690,7 +1690,7 @@
               <a:pPr>
                 <a:defRPr/>
               </a:pPr>
-              <a:t>7/9/2019</a:t>
+              <a:t>2/23/2020</a:t>
             </a:fld>
             <a:endParaRPr lang="en-US" dirty="0">
               <a:solidFill>
@@ -1904,7 +1904,7 @@
               <a:pPr>
                 <a:defRPr/>
               </a:pPr>
-              <a:t>7/9/2019</a:t>
+              <a:t>2/23/2020</a:t>
             </a:fld>
             <a:endParaRPr lang="en-US" dirty="0">
               <a:solidFill>
@@ -2195,7 +2195,7 @@
               <a:pPr>
                 <a:defRPr/>
               </a:pPr>
-              <a:t>7/9/2019</a:t>
+              <a:t>2/23/2020</a:t>
             </a:fld>
             <a:endParaRPr lang="en-US" dirty="0">
               <a:solidFill>
@@ -2526,7 +2526,7 @@
               <a:pPr>
                 <a:defRPr/>
               </a:pPr>
-              <a:t>7/9/2019</a:t>
+              <a:t>2/23/2020</a:t>
             </a:fld>
             <a:endParaRPr lang="en-US" dirty="0">
               <a:solidFill>
@@ -2991,7 +2991,7 @@
               <a:pPr>
                 <a:defRPr/>
               </a:pPr>
-              <a:t>7/9/2019</a:t>
+              <a:t>2/23/2020</a:t>
             </a:fld>
             <a:endParaRPr lang="en-US" dirty="0">
               <a:solidFill>
@@ -3154,7 +3154,7 @@
               <a:pPr>
                 <a:defRPr/>
               </a:pPr>
-              <a:t>7/9/2019</a:t>
+              <a:t>2/23/2020</a:t>
             </a:fld>
             <a:endParaRPr lang="en-US" dirty="0">
               <a:solidFill>
@@ -3295,7 +3295,7 @@
               <a:pPr>
                 <a:defRPr/>
               </a:pPr>
-              <a:t>7/9/2019</a:t>
+              <a:t>2/23/2020</a:t>
             </a:fld>
             <a:endParaRPr lang="en-US" dirty="0">
               <a:solidFill>
@@ -3616,7 +3616,7 @@
               <a:pPr>
                 <a:defRPr/>
               </a:pPr>
-              <a:t>7/9/2019</a:t>
+              <a:t>2/23/2020</a:t>
             </a:fld>
             <a:endParaRPr lang="en-US" dirty="0">
               <a:solidFill>
@@ -3824,7 +3824,7 @@
               <a:pPr>
                 <a:defRPr/>
               </a:pPr>
-              <a:t>7/9/2019</a:t>
+              <a:t>2/23/2020</a:t>
             </a:fld>
             <a:endParaRPr lang="en-US" dirty="0"/>
           </a:p>
@@ -4107,7 +4107,7 @@
               <a:pPr>
                 <a:defRPr/>
               </a:pPr>
-              <a:t>7/9/2019</a:t>
+              <a:t>2/23/2020</a:t>
             </a:fld>
             <a:endParaRPr lang="en-US" dirty="0">
               <a:solidFill>
@@ -4321,7 +4321,7 @@
               <a:pPr>
                 <a:defRPr/>
               </a:pPr>
-              <a:t>7/9/2019</a:t>
+              <a:t>2/23/2020</a:t>
             </a:fld>
             <a:endParaRPr lang="en-US" dirty="0">
               <a:solidFill>
@@ -4545,7 +4545,7 @@
               <a:pPr>
                 <a:defRPr/>
               </a:pPr>
-              <a:t>7/9/2019</a:t>
+              <a:t>2/23/2020</a:t>
             </a:fld>
             <a:endParaRPr lang="en-US" dirty="0">
               <a:solidFill>
@@ -4755,7 +4755,7 @@
               <a:pPr>
                 <a:defRPr/>
               </a:pPr>
-              <a:t>7/9/2019</a:t>
+              <a:t>2/23/2020</a:t>
             </a:fld>
             <a:endParaRPr lang="en-US" dirty="0">
               <a:solidFill>
@@ -5032,7 +5032,7 @@
               <a:pPr>
                 <a:defRPr/>
               </a:pPr>
-              <a:t>7/9/2019</a:t>
+              <a:t>2/23/2020</a:t>
             </a:fld>
             <a:endParaRPr lang="en-US" dirty="0"/>
           </a:p>
@@ -5339,7 +5339,7 @@
               <a:pPr>
                 <a:defRPr/>
               </a:pPr>
-              <a:t>7/9/2019</a:t>
+              <a:t>2/23/2020</a:t>
             </a:fld>
             <a:endParaRPr lang="en-US" dirty="0"/>
           </a:p>
@@ -5780,7 +5780,7 @@
               <a:pPr>
                 <a:defRPr/>
               </a:pPr>
-              <a:t>7/9/2019</a:t>
+              <a:t>2/23/2020</a:t>
             </a:fld>
             <a:endParaRPr lang="en-US" dirty="0"/>
           </a:p>
@@ -5919,7 +5919,7 @@
               <a:pPr>
                 <a:defRPr/>
               </a:pPr>
-              <a:t>7/9/2019</a:t>
+              <a:t>2/23/2020</a:t>
             </a:fld>
             <a:endParaRPr lang="en-US" dirty="0"/>
           </a:p>
@@ -6036,7 +6036,7 @@
               <a:pPr>
                 <a:defRPr/>
               </a:pPr>
-              <a:t>7/9/2019</a:t>
+              <a:t>2/23/2020</a:t>
             </a:fld>
             <a:endParaRPr lang="en-US" dirty="0"/>
           </a:p>
@@ -6333,7 +6333,7 @@
               <a:pPr>
                 <a:defRPr/>
               </a:pPr>
-              <a:t>7/9/2019</a:t>
+              <a:t>2/23/2020</a:t>
             </a:fld>
             <a:endParaRPr lang="en-US" dirty="0"/>
           </a:p>
@@ -6610,7 +6610,7 @@
               <a:pPr>
                 <a:defRPr/>
               </a:pPr>
-              <a:t>7/9/2019</a:t>
+              <a:t>2/23/2020</a:t>
             </a:fld>
             <a:endParaRPr lang="en-US" dirty="0"/>
           </a:p>
@@ -6867,7 +6867,7 @@
               <a:pPr>
                 <a:defRPr/>
               </a:pPr>
-              <a:t>7/9/2019</a:t>
+              <a:t>2/23/2020</a:t>
             </a:fld>
             <a:endParaRPr lang="en-US" dirty="0"/>
           </a:p>
@@ -7577,7 +7577,7 @@
               <a:pPr>
                 <a:defRPr/>
               </a:pPr>
-              <a:t>7/9/2019</a:t>
+              <a:t>2/23/2020</a:t>
             </a:fld>
             <a:endParaRPr lang="en-US" dirty="0">
               <a:solidFill>
@@ -9192,7 +9192,7 @@
         <p:spPr>
           <a:xfrm>
             <a:off x="3962400" y="643467"/>
-            <a:ext cx="5181600" cy="2677656"/>
+            <a:ext cx="5181600" cy="6001643"/>
           </a:xfrm>
           <a:prstGeom prst="rect">
             <a:avLst/>
@@ -9229,7 +9229,7 @@
                   <a:srgbClr val="404040"/>
                 </a:solidFill>
               </a:rPr>
-              <a:t>Score Members from 0 to 5</a:t>
+              <a:t>See Google Form Link</a:t>
             </a:r>
           </a:p>
           <a:p>
@@ -9237,362 +9237,187 @@
               <a:buFont typeface="Arial" panose="020B0604020202020204" pitchFamily="34" charset="0"/>
               <a:buChar char="•"/>
             </a:pPr>
-            <a:r>
-              <a:rPr lang="en-US" dirty="0">
-                <a:solidFill>
-                  <a:srgbClr val="404040"/>
-                </a:solidFill>
-              </a:rPr>
-              <a:t>The Score You Give Yourself Doesn’t Matter in Calculation</a:t>
-            </a:r>
+            <a:endParaRPr lang="en-US" dirty="0">
+              <a:solidFill>
+                <a:srgbClr val="404040"/>
+              </a:solidFill>
+            </a:endParaRPr>
           </a:p>
           <a:p>
             <a:pPr marL="800100" lvl="1" indent="-342900">
               <a:buFont typeface="Arial" panose="020B0604020202020204" pitchFamily="34" charset="0"/>
               <a:buChar char="•"/>
             </a:pPr>
-            <a:r>
-              <a:rPr lang="en-US" dirty="0">
-                <a:solidFill>
-                  <a:srgbClr val="404040"/>
-                </a:solidFill>
-              </a:rPr>
-              <a:t>Submit on Sakai on the Day of Final Presentations</a:t>
-            </a:r>
+            <a:endParaRPr lang="en-US" dirty="0">
+              <a:solidFill>
+                <a:srgbClr val="404040"/>
+              </a:solidFill>
+            </a:endParaRPr>
           </a:p>
           <a:p>
             <a:pPr marL="800100" lvl="1" indent="-342900">
               <a:buFont typeface="Arial" panose="020B0604020202020204" pitchFamily="34" charset="0"/>
               <a:buChar char="•"/>
             </a:pPr>
+            <a:endParaRPr lang="en-US" dirty="0">
+              <a:solidFill>
+                <a:srgbClr val="404040"/>
+              </a:solidFill>
+            </a:endParaRPr>
+          </a:p>
+          <a:p>
+            <a:pPr marL="800100" lvl="1" indent="-342900">
+              <a:buFont typeface="Arial" panose="020B0604020202020204" pitchFamily="34" charset="0"/>
+              <a:buChar char="•"/>
+            </a:pPr>
+            <a:endParaRPr lang="en-US" dirty="0">
+              <a:solidFill>
+                <a:srgbClr val="404040"/>
+              </a:solidFill>
+            </a:endParaRPr>
+          </a:p>
+          <a:p>
+            <a:pPr marL="800100" lvl="1" indent="-342900">
+              <a:buFont typeface="Arial" panose="020B0604020202020204" pitchFamily="34" charset="0"/>
+              <a:buChar char="•"/>
+            </a:pPr>
+            <a:endParaRPr lang="en-US" dirty="0">
+              <a:solidFill>
+                <a:srgbClr val="404040"/>
+              </a:solidFill>
+            </a:endParaRPr>
+          </a:p>
+          <a:p>
+            <a:pPr marL="800100" lvl="1" indent="-342900">
+              <a:buFont typeface="Arial" panose="020B0604020202020204" pitchFamily="34" charset="0"/>
+              <a:buChar char="•"/>
+            </a:pPr>
+            <a:endParaRPr lang="en-US" dirty="0">
+              <a:solidFill>
+                <a:srgbClr val="404040"/>
+              </a:solidFill>
+            </a:endParaRPr>
+          </a:p>
+          <a:p>
+            <a:pPr marL="800100" lvl="1" indent="-342900">
+              <a:buFont typeface="Arial" panose="020B0604020202020204" pitchFamily="34" charset="0"/>
+              <a:buChar char="•"/>
+            </a:pPr>
+            <a:endParaRPr lang="en-US" dirty="0">
+              <a:solidFill>
+                <a:srgbClr val="404040"/>
+              </a:solidFill>
+            </a:endParaRPr>
+          </a:p>
+          <a:p>
+            <a:pPr marL="800100" lvl="1" indent="-342900">
+              <a:buFont typeface="Arial" panose="020B0604020202020204" pitchFamily="34" charset="0"/>
+              <a:buChar char="•"/>
+            </a:pPr>
+            <a:endParaRPr lang="en-US" dirty="0">
+              <a:solidFill>
+                <a:srgbClr val="404040"/>
+              </a:solidFill>
+            </a:endParaRPr>
+          </a:p>
+          <a:p>
+            <a:pPr marL="800100" lvl="1" indent="-342900">
+              <a:buFont typeface="Arial" panose="020B0604020202020204" pitchFamily="34" charset="0"/>
+              <a:buChar char="•"/>
+            </a:pPr>
+            <a:endParaRPr lang="en-US" dirty="0">
+              <a:solidFill>
+                <a:srgbClr val="404040"/>
+              </a:solidFill>
+            </a:endParaRPr>
+          </a:p>
+          <a:p>
+            <a:pPr lvl="1"/>
+            <a:endParaRPr lang="en-US" dirty="0">
+              <a:solidFill>
+                <a:srgbClr val="404040"/>
+              </a:solidFill>
+            </a:endParaRPr>
+          </a:p>
+          <a:p>
+            <a:pPr marL="800100" lvl="1" indent="-342900">
+              <a:buFont typeface="Arial" panose="020B0604020202020204" pitchFamily="34" charset="0"/>
+              <a:buChar char="•"/>
+            </a:pPr>
             <a:r>
               <a:rPr lang="en-US" dirty="0">
                 <a:solidFill>
                   <a:srgbClr val="404040"/>
                 </a:solidFill>
               </a:rPr>
-              <a:t>CSV Template on Website</a:t>
-            </a:r>
-          </a:p>
-        </p:txBody>
-      </p:sp>
-      <p:graphicFrame>
-        <p:nvGraphicFramePr>
-          <p:cNvPr id="3" name="Table 2">
+              <a:t>Score Members from 0 to 5</a:t>
+            </a:r>
+          </a:p>
+          <a:p>
+            <a:pPr marL="800100" lvl="1" indent="-342900">
+              <a:buFont typeface="Arial" panose="020B0604020202020204" pitchFamily="34" charset="0"/>
+              <a:buChar char="•"/>
+            </a:pPr>
+            <a:r>
+              <a:rPr lang="en-US" dirty="0">
+                <a:solidFill>
+                  <a:srgbClr val="404040"/>
+                </a:solidFill>
+              </a:rPr>
+              <a:t>Don’t Score Yourself</a:t>
+            </a:r>
+          </a:p>
+          <a:p>
+            <a:pPr marL="800100" lvl="1" indent="-342900">
+              <a:buFont typeface="Arial" panose="020B0604020202020204" pitchFamily="34" charset="0"/>
+              <a:buChar char="•"/>
+            </a:pPr>
+            <a:r>
+              <a:rPr lang="en-US" dirty="0">
+                <a:solidFill>
+                  <a:srgbClr val="404040"/>
+                </a:solidFill>
+              </a:rPr>
+              <a:t>Don’t Fill Out Form if Giving Each Group Member a 5</a:t>
+            </a:r>
+          </a:p>
+        </p:txBody>
+      </p:sp>
+      <p:pic>
+        <p:nvPicPr>
+          <p:cNvPr id="4" name="Picture 3">
             <a:extLst>
               <a:ext uri="{FF2B5EF4-FFF2-40B4-BE49-F238E27FC236}">
-                <a16:creationId xmlns:a16="http://schemas.microsoft.com/office/drawing/2014/main" id="{18C93635-5253-4529-8D5F-CA3E53E7CC73}"/>
+                <a16:creationId xmlns:a16="http://schemas.microsoft.com/office/drawing/2014/main" id="{DA67DBE0-E386-4154-921D-1A2CA87EE3D9}"/>
               </a:ext>
             </a:extLst>
           </p:cNvPr>
-          <p:cNvGraphicFramePr>
-            <a:graphicFrameLocks noGrp="1"/>
-          </p:cNvGraphicFramePr>
-          <p:nvPr>
-            <p:extLst>
-              <p:ext uri="{D42A27DB-BD31-4B8C-83A1-F6EECF244321}">
-                <p14:modId xmlns:p14="http://schemas.microsoft.com/office/powerpoint/2010/main" val="1795483846"/>
-              </p:ext>
-            </p:extLst>
-          </p:nvPr>
-        </p:nvGraphicFramePr>
-        <p:xfrm>
-          <a:off x="4050391" y="3581400"/>
-          <a:ext cx="4665542" cy="1752600"/>
-        </p:xfrm>
-        <a:graphic>
-          <a:graphicData uri="http://schemas.openxmlformats.org/drawingml/2006/table">
-            <a:tbl>
-              <a:tblPr>
-                <a:tableStyleId>{125E5076-3810-47DD-B79F-674D7AD40C01}</a:tableStyleId>
-              </a:tblPr>
-              <a:tblGrid>
-                <a:gridCol w="2272337">
-                  <a:extLst>
-                    <a:ext uri="{9D8B030D-6E8A-4147-A177-3AD203B41FA5}">
-                      <a16:colId xmlns:a16="http://schemas.microsoft.com/office/drawing/2014/main" val="801357358"/>
-                    </a:ext>
-                  </a:extLst>
-                </a:gridCol>
-                <a:gridCol w="2393205">
-                  <a:extLst>
-                    <a:ext uri="{9D8B030D-6E8A-4147-A177-3AD203B41FA5}">
-                      <a16:colId xmlns:a16="http://schemas.microsoft.com/office/drawing/2014/main" val="3594802306"/>
-                    </a:ext>
-                  </a:extLst>
-                </a:gridCol>
-              </a:tblGrid>
-              <a:tr h="350520">
-                <a:tc>
-                  <a:txBody>
-                    <a:bodyPr/>
-                    <a:lstStyle/>
-                    <a:p>
-                      <a:pPr algn="ctr" fontAlgn="b"/>
-                      <a:r>
-                        <a:rPr lang="en-US" sz="2100" b="1" u="none" strike="noStrike" dirty="0">
-                          <a:effectLst/>
-                        </a:rPr>
-                        <a:t>Name</a:t>
-                      </a:r>
-                      <a:endParaRPr lang="en-US" sz="2100" b="1" i="0" u="none" strike="noStrike" dirty="0">
-                        <a:solidFill>
-                          <a:srgbClr val="000000"/>
-                        </a:solidFill>
-                        <a:effectLst/>
-                        <a:latin typeface="Calibri" panose="020F0502020204030204" pitchFamily="34" charset="0"/>
-                      </a:endParaRPr>
-                    </a:p>
-                  </a:txBody>
-                  <a:tcPr marL="12087" marR="12087" marT="12087" marB="0" anchor="ctr">
-                    <a:solidFill>
-                      <a:srgbClr val="404040"/>
-                    </a:solidFill>
-                  </a:tcPr>
-                </a:tc>
-                <a:tc>
-                  <a:txBody>
-                    <a:bodyPr/>
-                    <a:lstStyle/>
-                    <a:p>
-                      <a:pPr algn="ctr" fontAlgn="b"/>
-                      <a:r>
-                        <a:rPr lang="en-US" sz="2100" b="1" u="none" strike="noStrike" dirty="0">
-                          <a:effectLst/>
-                        </a:rPr>
-                        <a:t>Score</a:t>
-                      </a:r>
-                      <a:endParaRPr lang="en-US" sz="2100" b="1" i="0" u="none" strike="noStrike" dirty="0">
-                        <a:solidFill>
-                          <a:srgbClr val="000000"/>
-                        </a:solidFill>
-                        <a:effectLst/>
-                        <a:latin typeface="Calibri" panose="020F0502020204030204" pitchFamily="34" charset="0"/>
-                      </a:endParaRPr>
-                    </a:p>
-                  </a:txBody>
-                  <a:tcPr marL="12087" marR="12087" marT="12087" marB="0" anchor="ctr">
-                    <a:solidFill>
-                      <a:srgbClr val="404040"/>
-                    </a:solidFill>
-                  </a:tcPr>
-                </a:tc>
-                <a:extLst>
-                  <a:ext uri="{0D108BD9-81ED-4DB2-BD59-A6C34878D82A}">
-                    <a16:rowId xmlns:a16="http://schemas.microsoft.com/office/drawing/2014/main" val="3971550525"/>
-                  </a:ext>
-                </a:extLst>
-              </a:tr>
-              <a:tr h="350520">
-                <a:tc>
-                  <a:txBody>
-                    <a:bodyPr/>
-                    <a:lstStyle/>
-                    <a:p>
-                      <a:pPr algn="ctr" fontAlgn="b"/>
-                      <a:r>
-                        <a:rPr lang="en-US" sz="2100" u="none" strike="noStrike">
-                          <a:effectLst/>
-                        </a:rPr>
-                        <a:t>James, Lebron</a:t>
-                      </a:r>
-                      <a:endParaRPr lang="en-US" sz="2100" b="0" i="0" u="none" strike="noStrike">
-                        <a:solidFill>
-                          <a:srgbClr val="000000"/>
-                        </a:solidFill>
-                        <a:effectLst/>
-                        <a:latin typeface="Calibri" panose="020F0502020204030204" pitchFamily="34" charset="0"/>
-                      </a:endParaRPr>
-                    </a:p>
-                  </a:txBody>
-                  <a:tcPr marL="12087" marR="12087" marT="12087" marB="0" anchor="ctr"/>
-                </a:tc>
-                <a:tc>
-                  <a:txBody>
-                    <a:bodyPr/>
-                    <a:lstStyle/>
-                    <a:p>
-                      <a:pPr algn="ctr" fontAlgn="b"/>
-                      <a:r>
-                        <a:rPr lang="en-US" sz="2100" b="0" i="0" u="none" strike="noStrike" dirty="0">
-                          <a:solidFill>
-                            <a:schemeClr val="bg1"/>
-                          </a:solidFill>
-                          <a:effectLst/>
-                          <a:latin typeface="Calibri" panose="020F0502020204030204" pitchFamily="34" charset="0"/>
-                        </a:rPr>
-                        <a:t>5</a:t>
-                      </a:r>
-                    </a:p>
-                  </a:txBody>
-                  <a:tcPr marL="12087" marR="12087" marT="12087" marB="0" anchor="ctr"/>
-                </a:tc>
-                <a:extLst>
-                  <a:ext uri="{0D108BD9-81ED-4DB2-BD59-A6C34878D82A}">
-                    <a16:rowId xmlns:a16="http://schemas.microsoft.com/office/drawing/2014/main" val="1074301624"/>
-                  </a:ext>
-                </a:extLst>
-              </a:tr>
-              <a:tr h="350520">
-                <a:tc>
-                  <a:txBody>
-                    <a:bodyPr/>
-                    <a:lstStyle/>
-                    <a:p>
-                      <a:pPr algn="ctr" fontAlgn="b"/>
-                      <a:r>
-                        <a:rPr lang="en-US" sz="2100" u="none" strike="noStrike">
-                          <a:effectLst/>
-                        </a:rPr>
-                        <a:t>Smith, J.R.</a:t>
-                      </a:r>
-                      <a:endParaRPr lang="en-US" sz="2100" b="0" i="0" u="none" strike="noStrike">
-                        <a:solidFill>
-                          <a:srgbClr val="000000"/>
-                        </a:solidFill>
-                        <a:effectLst/>
-                        <a:latin typeface="Calibri" panose="020F0502020204030204" pitchFamily="34" charset="0"/>
-                      </a:endParaRPr>
-                    </a:p>
-                  </a:txBody>
-                  <a:tcPr marL="12087" marR="12087" marT="12087" marB="0" anchor="ctr"/>
-                </a:tc>
-                <a:tc>
-                  <a:txBody>
-                    <a:bodyPr/>
-                    <a:lstStyle/>
-                    <a:p>
-                      <a:pPr algn="ctr" fontAlgn="b"/>
-                      <a:r>
-                        <a:rPr lang="en-US" sz="2100" u="none" strike="noStrike" dirty="0">
-                          <a:effectLst/>
-                        </a:rPr>
-                        <a:t>1</a:t>
-                      </a:r>
-                      <a:endParaRPr lang="en-US" sz="2100" b="0" i="0" u="none" strike="noStrike" dirty="0">
-                        <a:solidFill>
-                          <a:srgbClr val="000000"/>
-                        </a:solidFill>
-                        <a:effectLst/>
-                        <a:latin typeface="Calibri" panose="020F0502020204030204" pitchFamily="34" charset="0"/>
-                      </a:endParaRPr>
-                    </a:p>
-                  </a:txBody>
-                  <a:tcPr marL="12087" marR="12087" marT="12087" marB="0" anchor="ctr"/>
-                </a:tc>
-                <a:extLst>
-                  <a:ext uri="{0D108BD9-81ED-4DB2-BD59-A6C34878D82A}">
-                    <a16:rowId xmlns:a16="http://schemas.microsoft.com/office/drawing/2014/main" val="883799485"/>
-                  </a:ext>
-                </a:extLst>
-              </a:tr>
-              <a:tr h="350520">
-                <a:tc>
-                  <a:txBody>
-                    <a:bodyPr/>
-                    <a:lstStyle/>
-                    <a:p>
-                      <a:pPr algn="ctr" fontAlgn="b"/>
-                      <a:r>
-                        <a:rPr lang="en-US" sz="2100" u="none" strike="noStrike">
-                          <a:effectLst/>
-                        </a:rPr>
-                        <a:t>Lue, Tyronn</a:t>
-                      </a:r>
-                      <a:endParaRPr lang="en-US" sz="2100" b="0" i="0" u="none" strike="noStrike">
-                        <a:solidFill>
-                          <a:srgbClr val="000000"/>
-                        </a:solidFill>
-                        <a:effectLst/>
-                        <a:latin typeface="Calibri" panose="020F0502020204030204" pitchFamily="34" charset="0"/>
-                      </a:endParaRPr>
-                    </a:p>
-                  </a:txBody>
-                  <a:tcPr marL="12087" marR="12087" marT="12087" marB="0" anchor="ctr"/>
-                </a:tc>
-                <a:tc>
-                  <a:txBody>
-                    <a:bodyPr/>
-                    <a:lstStyle/>
-                    <a:p>
-                      <a:pPr algn="ctr" fontAlgn="b"/>
-                      <a:r>
-                        <a:rPr lang="en-US" sz="2100" u="none" strike="noStrike" dirty="0">
-                          <a:effectLst/>
-                        </a:rPr>
-                        <a:t>2</a:t>
-                      </a:r>
-                      <a:endParaRPr lang="en-US" sz="2100" b="0" i="0" u="none" strike="noStrike" dirty="0">
-                        <a:solidFill>
-                          <a:srgbClr val="000000"/>
-                        </a:solidFill>
-                        <a:effectLst/>
-                        <a:latin typeface="Calibri" panose="020F0502020204030204" pitchFamily="34" charset="0"/>
-                      </a:endParaRPr>
-                    </a:p>
-                  </a:txBody>
-                  <a:tcPr marL="12087" marR="12087" marT="12087" marB="0" anchor="ctr"/>
-                </a:tc>
-                <a:extLst>
-                  <a:ext uri="{0D108BD9-81ED-4DB2-BD59-A6C34878D82A}">
-                    <a16:rowId xmlns:a16="http://schemas.microsoft.com/office/drawing/2014/main" val="3008209415"/>
-                  </a:ext>
-                </a:extLst>
-              </a:tr>
-              <a:tr h="350520">
-                <a:tc>
-                  <a:txBody>
-                    <a:bodyPr/>
-                    <a:lstStyle/>
-                    <a:p>
-                      <a:pPr algn="ctr" fontAlgn="b"/>
-                      <a:r>
-                        <a:rPr lang="en-US" sz="2100" u="none" strike="noStrike">
-                          <a:effectLst/>
-                        </a:rPr>
-                        <a:t>Love, Kevin</a:t>
-                      </a:r>
-                      <a:endParaRPr lang="en-US" sz="2100" b="0" i="0" u="none" strike="noStrike">
-                        <a:solidFill>
-                          <a:srgbClr val="000000"/>
-                        </a:solidFill>
-                        <a:effectLst/>
-                        <a:latin typeface="Calibri" panose="020F0502020204030204" pitchFamily="34" charset="0"/>
-                      </a:endParaRPr>
-                    </a:p>
-                  </a:txBody>
-                  <a:tcPr marL="12087" marR="12087" marT="12087" marB="0" anchor="b"/>
-                </a:tc>
-                <a:tc>
-                  <a:txBody>
-                    <a:bodyPr/>
-                    <a:lstStyle/>
-                    <a:p>
-                      <a:pPr algn="ctr" fontAlgn="b"/>
-                      <a:r>
-                        <a:rPr lang="en-US" sz="2100" b="0" i="0" u="none" strike="noStrike" dirty="0">
-                          <a:solidFill>
-                            <a:schemeClr val="bg1"/>
-                          </a:solidFill>
-                          <a:effectLst/>
-                          <a:latin typeface="Calibri" panose="020F0502020204030204" pitchFamily="34" charset="0"/>
-                        </a:rPr>
-                        <a:t>2</a:t>
-                      </a:r>
-                    </a:p>
-                  </a:txBody>
-                  <a:tcPr marL="12087" marR="12087" marT="12087" marB="0" anchor="b"/>
-                </a:tc>
-                <a:extLst>
-                  <a:ext uri="{0D108BD9-81ED-4DB2-BD59-A6C34878D82A}">
-                    <a16:rowId xmlns:a16="http://schemas.microsoft.com/office/drawing/2014/main" val="1583216125"/>
-                  </a:ext>
-                </a:extLst>
-              </a:tr>
-            </a:tbl>
-          </a:graphicData>
-        </a:graphic>
-      </p:graphicFrame>
+          <p:cNvPicPr>
+            <a:picLocks noChangeAspect="1"/>
+          </p:cNvPicPr>
+          <p:nvPr/>
+        </p:nvPicPr>
+        <p:blipFill>
+          <a:blip r:embed="rId4"/>
+          <a:stretch>
+            <a:fillRect/>
+          </a:stretch>
+        </p:blipFill>
+        <p:spPr>
+          <a:xfrm>
+            <a:off x="5100445" y="1524000"/>
+            <a:ext cx="2840943" cy="3352800"/>
+          </a:xfrm>
+          <a:prstGeom prst="rect">
+            <a:avLst/>
+          </a:prstGeom>
+          <a:ln w="38100">
+            <a:solidFill>
+              <a:srgbClr val="404040"/>
+            </a:solidFill>
+          </a:ln>
+        </p:spPr>
+      </p:pic>
     </p:spTree>
     <p:custDataLst>
       <p:tags r:id="rId1"/>
@@ -10292,7 +10117,7 @@
         <p:spPr>
           <a:xfrm>
             <a:off x="3962400" y="643467"/>
-            <a:ext cx="5029200" cy="4524315"/>
+            <a:ext cx="5029200" cy="4154984"/>
           </a:xfrm>
           <a:prstGeom prst="rect">
             <a:avLst/>
@@ -10372,20 +10197,6 @@
                 </a:solidFill>
               </a:rPr>
               <a:t>Proofreading of Slides</a:t>
-            </a:r>
-          </a:p>
-          <a:p>
-            <a:pPr marL="800100" lvl="1" indent="-342900">
-              <a:buFont typeface="Arial" panose="020B0604020202020204" pitchFamily="34" charset="0"/>
-              <a:buChar char="•"/>
-            </a:pPr>
-            <a:r>
-              <a:rPr lang="en-US" dirty="0">
-                <a:solidFill>
-                  <a:srgbClr val="404040"/>
-                </a:solidFill>
-              </a:rPr>
-              <a:t>Q &amp; A</a:t>
             </a:r>
           </a:p>
           <a:p>
@@ -11352,7 +11163,7 @@
         <p:spPr>
           <a:xfrm>
             <a:off x="3962400" y="645037"/>
-            <a:ext cx="5181600" cy="4893647"/>
+            <a:ext cx="5181600" cy="5262979"/>
           </a:xfrm>
           <a:prstGeom prst="rect">
             <a:avLst/>
@@ -11495,7 +11306,7 @@
                   <a:srgbClr val="404040"/>
                 </a:solidFill>
               </a:rPr>
-              <a:t>Build Multiple Models to Answer those Questions</a:t>
+              <a:t>Practice Predictive Modeling</a:t>
             </a:r>
           </a:p>
           <a:p>
@@ -11509,7 +11320,21 @@
                   <a:srgbClr val="404040"/>
                 </a:solidFill>
               </a:rPr>
-              <a:t>Evaluate and Compare Models</a:t>
+              <a:t>Use Multiple</a:t>
+            </a:r>
+          </a:p>
+          <a:p>
+            <a:pPr marL="800100" lvl="1" indent="-342900">
+              <a:buFont typeface="Arial" panose="020B0604020202020204" pitchFamily="34" charset="0"/>
+              <a:buChar char="•"/>
+            </a:pPr>
+            <a:r>
+              <a:rPr lang="en-US" dirty="0">
+                <a:solidFill>
+                  <a:srgbClr val="404040"/>
+                </a:solidFill>
+              </a:rPr>
+              <a:t>Evaluate and Compare Models on Predictive Accuracy</a:t>
             </a:r>
           </a:p>
         </p:txBody>
